--- a/final-zyu.pptx
+++ b/final-zyu.pptx
@@ -115,6 +115,11 @@
       </a:defRPr>
     </a:lvl9pPr>
   </p:defaultTextStyle>
+  <p:extLst>
+    <p:ext uri="{EFAFB233-063F-42B5-8137-9DF3F51BA10A}">
+      <p15:sldGuideLst xmlns:p15="http://schemas.microsoft.com/office/powerpoint/2012/main"/>
+    </p:ext>
+  </p:extLst>
 </p:presentation>
 </file>
 
@@ -265,7 +270,7 @@
           <a:p>
             <a:fld id="{52EC3249-4A32-4175-88D0-8EDB6158AB3A}" type="datetimeFigureOut">
               <a:rPr lang="en-US" smtClean="0"/>
-              <a:t>11/30/2019</a:t>
+              <a:t>12/2/2019</a:t>
             </a:fld>
             <a:endParaRPr lang="en-US"/>
           </a:p>
@@ -463,7 +468,7 @@
           <a:p>
             <a:fld id="{52EC3249-4A32-4175-88D0-8EDB6158AB3A}" type="datetimeFigureOut">
               <a:rPr lang="en-US" smtClean="0"/>
-              <a:t>11/30/2019</a:t>
+              <a:t>12/2/2019</a:t>
             </a:fld>
             <a:endParaRPr lang="en-US"/>
           </a:p>
@@ -671,7 +676,7 @@
           <a:p>
             <a:fld id="{52EC3249-4A32-4175-88D0-8EDB6158AB3A}" type="datetimeFigureOut">
               <a:rPr lang="en-US" smtClean="0"/>
-              <a:t>11/30/2019</a:t>
+              <a:t>12/2/2019</a:t>
             </a:fld>
             <a:endParaRPr lang="en-US"/>
           </a:p>
@@ -869,7 +874,7 @@
           <a:p>
             <a:fld id="{52EC3249-4A32-4175-88D0-8EDB6158AB3A}" type="datetimeFigureOut">
               <a:rPr lang="en-US" smtClean="0"/>
-              <a:t>11/30/2019</a:t>
+              <a:t>12/2/2019</a:t>
             </a:fld>
             <a:endParaRPr lang="en-US"/>
           </a:p>
@@ -1144,7 +1149,7 @@
           <a:p>
             <a:fld id="{52EC3249-4A32-4175-88D0-8EDB6158AB3A}" type="datetimeFigureOut">
               <a:rPr lang="en-US" smtClean="0"/>
-              <a:t>11/30/2019</a:t>
+              <a:t>12/2/2019</a:t>
             </a:fld>
             <a:endParaRPr lang="en-US"/>
           </a:p>
@@ -1409,7 +1414,7 @@
           <a:p>
             <a:fld id="{52EC3249-4A32-4175-88D0-8EDB6158AB3A}" type="datetimeFigureOut">
               <a:rPr lang="en-US" smtClean="0"/>
-              <a:t>11/30/2019</a:t>
+              <a:t>12/2/2019</a:t>
             </a:fld>
             <a:endParaRPr lang="en-US"/>
           </a:p>
@@ -1821,7 +1826,7 @@
           <a:p>
             <a:fld id="{52EC3249-4A32-4175-88D0-8EDB6158AB3A}" type="datetimeFigureOut">
               <a:rPr lang="en-US" smtClean="0"/>
-              <a:t>11/30/2019</a:t>
+              <a:t>12/2/2019</a:t>
             </a:fld>
             <a:endParaRPr lang="en-US"/>
           </a:p>
@@ -1962,7 +1967,7 @@
           <a:p>
             <a:fld id="{52EC3249-4A32-4175-88D0-8EDB6158AB3A}" type="datetimeFigureOut">
               <a:rPr lang="en-US" smtClean="0"/>
-              <a:t>11/30/2019</a:t>
+              <a:t>12/2/2019</a:t>
             </a:fld>
             <a:endParaRPr lang="en-US"/>
           </a:p>
@@ -2075,7 +2080,7 @@
           <a:p>
             <a:fld id="{52EC3249-4A32-4175-88D0-8EDB6158AB3A}" type="datetimeFigureOut">
               <a:rPr lang="en-US" smtClean="0"/>
-              <a:t>11/30/2019</a:t>
+              <a:t>12/2/2019</a:t>
             </a:fld>
             <a:endParaRPr lang="en-US"/>
           </a:p>
@@ -2386,7 +2391,7 @@
           <a:p>
             <a:fld id="{52EC3249-4A32-4175-88D0-8EDB6158AB3A}" type="datetimeFigureOut">
               <a:rPr lang="en-US" smtClean="0"/>
-              <a:t>11/30/2019</a:t>
+              <a:t>12/2/2019</a:t>
             </a:fld>
             <a:endParaRPr lang="en-US"/>
           </a:p>
@@ -2674,7 +2679,7 @@
           <a:p>
             <a:fld id="{52EC3249-4A32-4175-88D0-8EDB6158AB3A}" type="datetimeFigureOut">
               <a:rPr lang="en-US" smtClean="0"/>
-              <a:t>11/30/2019</a:t>
+              <a:t>12/2/2019</a:t>
             </a:fld>
             <a:endParaRPr lang="en-US"/>
           </a:p>
@@ -2915,7 +2920,7 @@
           <a:p>
             <a:fld id="{52EC3249-4A32-4175-88D0-8EDB6158AB3A}" type="datetimeFigureOut">
               <a:rPr lang="en-US" smtClean="0"/>
-              <a:t>11/30/2019</a:t>
+              <a:t>12/2/2019</a:t>
             </a:fld>
             <a:endParaRPr lang="en-US"/>
           </a:p>
@@ -3318,6 +3323,14 @@
 <file path=ppt/slides/slide1.xml><?xml version="1.0" encoding="utf-8"?>
 <p:sld xmlns:a="http://schemas.openxmlformats.org/drawingml/2006/main" xmlns:r="http://schemas.openxmlformats.org/officeDocument/2006/relationships" xmlns:p="http://schemas.openxmlformats.org/presentationml/2006/main">
   <p:cSld>
+    <p:bg>
+      <p:bgPr>
+        <a:solidFill>
+          <a:schemeClr val="bg1"/>
+        </a:solidFill>
+        <a:effectLst/>
+      </p:bgPr>
+    </p:bg>
     <p:spTree>
       <p:nvGrpSpPr>
         <p:cNvPr id="1" name=""/>
@@ -3348,54 +3361,159 @@
             <p:ph type="ctrTitle"/>
           </p:nvPr>
         </p:nvSpPr>
-        <p:spPr/>
+        <p:spPr>
+          <a:xfrm>
+            <a:off x="2370667" y="2187743"/>
+            <a:ext cx="5293449" cy="2482515"/>
+          </a:xfrm>
+        </p:spPr>
+        <p:txBody>
+          <a:bodyPr anchor="ctr">
+            <a:normAutofit/>
+          </a:bodyPr>
+          <a:lstStyle/>
+          <a:p>
+            <a:pPr algn="l"/>
+            <a:r>
+              <a:rPr lang="en-US" sz="5100"/>
+              <a:t>Plant Identification with NEON Remote Sensing Data</a:t>
+            </a:r>
+          </a:p>
+        </p:txBody>
+      </p:sp>
+      <p:sp>
+        <p:nvSpPr>
+          <p:cNvPr id="3" name="Subtitle 2">
+            <a:extLst>
+              <a:ext uri="{FF2B5EF4-FFF2-40B4-BE49-F238E27FC236}">
+                <a16:creationId xmlns:a16="http://schemas.microsoft.com/office/drawing/2014/main" id="{58E5AE36-3E9C-4ACC-B47E-61F02FADCC95}"/>
+              </a:ext>
+            </a:extLst>
+          </p:cNvPr>
+          <p:cNvSpPr>
+            <a:spLocks noGrp="1"/>
+          </p:cNvSpPr>
+          <p:nvPr>
+            <p:ph type="subTitle" idx="1"/>
+          </p:nvPr>
+        </p:nvSpPr>
+        <p:spPr>
+          <a:xfrm>
+            <a:off x="2370667" y="4670258"/>
+            <a:ext cx="5293449" cy="1371405"/>
+          </a:xfrm>
+        </p:spPr>
         <p:txBody>
           <a:bodyPr>
             <a:normAutofit/>
           </a:bodyPr>
           <a:lstStyle/>
           <a:p>
-            <a:r>
-              <a:rPr lang="en-US" dirty="0"/>
-              <a:t>Plant Identification with NEON Remote Sensing Data</a:t>
-            </a:r>
-          </a:p>
-        </p:txBody>
-      </p:sp>
-      <p:sp>
-        <p:nvSpPr>
-          <p:cNvPr id="3" name="Subtitle 2">
-            <a:extLst>
-              <a:ext uri="{FF2B5EF4-FFF2-40B4-BE49-F238E27FC236}">
-                <a16:creationId xmlns:a16="http://schemas.microsoft.com/office/drawing/2014/main" id="{58E5AE36-3E9C-4ACC-B47E-61F02FADCC95}"/>
-              </a:ext>
-            </a:extLst>
-          </p:cNvPr>
-          <p:cNvSpPr>
-            <a:spLocks noGrp="1"/>
-          </p:cNvSpPr>
-          <p:nvPr>
-            <p:ph type="subTitle" idx="1"/>
-          </p:nvPr>
-        </p:nvSpPr>
-        <p:spPr/>
-        <p:txBody>
-          <a:bodyPr/>
-          <a:lstStyle/>
-          <a:p>
+            <a:pPr algn="l"/>
             <a:r>
               <a:rPr lang="en-US" dirty="0"/>
               <a:t>Zhiqi Yu</a:t>
             </a:r>
-          </a:p>
-          <a:p>
+            <a:endParaRPr lang="en-US"/>
+          </a:p>
+          <a:p>
+            <a:pPr algn="l"/>
             <a:r>
               <a:rPr lang="en-US" dirty="0"/>
-              <a:t>11/30/2019</a:t>
-            </a:r>
-          </a:p>
-        </p:txBody>
-      </p:sp>
+              <a:t>12/2/2019</a:t>
+            </a:r>
+            <a:endParaRPr lang="en-US"/>
+          </a:p>
+        </p:txBody>
+      </p:sp>
+      <p:pic>
+        <p:nvPicPr>
+          <p:cNvPr id="7" name="Graphic 6" descr="Satellite">
+            <a:extLst>
+              <a:ext uri="{FF2B5EF4-FFF2-40B4-BE49-F238E27FC236}">
+                <a16:creationId xmlns:a16="http://schemas.microsoft.com/office/drawing/2014/main" id="{9F0C7F99-4DBD-4EDA-AD4B-9D28BECA54D3}"/>
+              </a:ext>
+            </a:extLst>
+          </p:cNvPr>
+          <p:cNvPicPr>
+            <a:picLocks noChangeAspect="1"/>
+          </p:cNvPicPr>
+          <p:nvPr/>
+        </p:nvPicPr>
+        <p:blipFill>
+          <a:blip r:embed="rId2">
+            <a:extLst>
+              <a:ext uri="{28A0092B-C50C-407E-A947-70E740481C1C}">
+                <a14:useLocalDpi xmlns:a14="http://schemas.microsoft.com/office/drawing/2010/main" val="0"/>
+              </a:ext>
+              <a:ext uri="{96DAC541-7B7A-43D3-8B79-37D633B846F1}">
+                <asvg:svgBlip xmlns:asvg="http://schemas.microsoft.com/office/drawing/2016/SVG/main" r:embed="rId3"/>
+              </a:ext>
+            </a:extLst>
+          </a:blip>
+          <a:stretch>
+            <a:fillRect/>
+          </a:stretch>
+        </p:blipFill>
+        <p:spPr>
+          <a:xfrm>
+            <a:off x="838201" y="2743201"/>
+            <a:ext cx="1371600" cy="1371600"/>
+          </a:xfrm>
+          <a:prstGeom prst="rect">
+            <a:avLst/>
+          </a:prstGeom>
+        </p:spPr>
+      </p:pic>
+      <p:pic>
+        <p:nvPicPr>
+          <p:cNvPr id="9" name="Graphic 8">
+            <a:extLst>
+              <a:ext uri="{FF2B5EF4-FFF2-40B4-BE49-F238E27FC236}">
+                <a16:creationId xmlns:a16="http://schemas.microsoft.com/office/drawing/2014/main" id="{6CD1A339-5EBF-426A-87FB-60CCF5677A65}"/>
+              </a:ext>
+              <a:ext uri="{C183D7F6-B498-43B3-948B-1728B52AA6E4}">
+                <adec:decorative xmlns:adec="http://schemas.microsoft.com/office/drawing/2017/decorative" val="1"/>
+              </a:ext>
+            </a:extLst>
+          </p:cNvPr>
+          <p:cNvPicPr>
+            <a:picLocks noGrp="1" noRot="1" noChangeAspect="1" noMove="1" noResize="1" noEditPoints="1" noAdjustHandles="1" noChangeArrowheads="1" noChangeShapeType="1" noCrop="1"/>
+          </p:cNvPicPr>
+          <p:nvPr>
+            <p:extLst>
+              <p:ext uri="{386F3935-93C4-4BCD-93E2-E3B085C9AB24}">
+                <p16:designElem xmlns:p16="http://schemas.microsoft.com/office/powerpoint/2015/main" val="1"/>
+              </p:ext>
+            </p:extLst>
+          </p:nvPr>
+        </p:nvPicPr>
+        <p:blipFill>
+          <a:blip r:embed="rId2">
+            <a:alphaModFix amt="15000"/>
+            <a:extLst>
+              <a:ext uri="{28A0092B-C50C-407E-A947-70E740481C1C}">
+                <a14:useLocalDpi xmlns:a14="http://schemas.microsoft.com/office/drawing/2010/main" val="0"/>
+              </a:ext>
+              <a:ext uri="{96DAC541-7B7A-43D3-8B79-37D633B846F1}">
+                <asvg:svgBlip xmlns:asvg="http://schemas.microsoft.com/office/drawing/2016/SVG/main" r:embed="rId3"/>
+              </a:ext>
+            </a:extLst>
+          </a:blip>
+          <a:stretch>
+            <a:fillRect/>
+          </a:stretch>
+        </p:blipFill>
+        <p:spPr>
+          <a:xfrm>
+            <a:off x="6641431" y="816337"/>
+            <a:ext cx="5225327" cy="5225327"/>
+          </a:xfrm>
+          <a:prstGeom prst="rect">
+            <a:avLst/>
+          </a:prstGeom>
+        </p:spPr>
+      </p:pic>
     </p:spTree>
     <p:extLst>
       <p:ext uri="{BB962C8B-B14F-4D97-AF65-F5344CB8AC3E}">
@@ -3553,49 +3671,19 @@
           <a:chExt cx="0" cy="0"/>
         </a:xfrm>
       </p:grpSpPr>
-      <p:sp>
-        <p:nvSpPr>
-          <p:cNvPr id="2" name="Title 1">
-            <a:extLst>
-              <a:ext uri="{FF2B5EF4-FFF2-40B4-BE49-F238E27FC236}">
-                <a16:creationId xmlns:a16="http://schemas.microsoft.com/office/drawing/2014/main" id="{9F15A480-7B7C-4C3A-8D14-18A5E0E52D69}"/>
-              </a:ext>
-            </a:extLst>
-          </p:cNvPr>
-          <p:cNvSpPr>
-            <a:spLocks noGrp="1"/>
-          </p:cNvSpPr>
-          <p:nvPr>
-            <p:ph type="title"/>
-          </p:nvPr>
-        </p:nvSpPr>
-        <p:spPr/>
-        <p:txBody>
-          <a:bodyPr/>
-          <a:lstStyle/>
-          <a:p>
-            <a:r>
-              <a:rPr lang="en-US" dirty="0"/>
-              <a:t>Result2 – Supervised Classification</a:t>
-            </a:r>
-          </a:p>
-        </p:txBody>
-      </p:sp>
       <p:pic>
         <p:nvPicPr>
-          <p:cNvPr id="4" name="Content Placeholder 3">
-            <a:extLst>
-              <a:ext uri="{FF2B5EF4-FFF2-40B4-BE49-F238E27FC236}">
-                <a16:creationId xmlns:a16="http://schemas.microsoft.com/office/drawing/2014/main" id="{995940DF-1FB0-4019-AD10-6564C0F1BBEB}"/>
+          <p:cNvPr id="8" name="Picture 7">
+            <a:extLst>
+              <a:ext uri="{FF2B5EF4-FFF2-40B4-BE49-F238E27FC236}">
+                <a16:creationId xmlns:a16="http://schemas.microsoft.com/office/drawing/2014/main" id="{7D560CDC-A51C-40A2-8DC6-AD2F16D71883}"/>
               </a:ext>
             </a:extLst>
           </p:cNvPr>
           <p:cNvPicPr>
-            <a:picLocks noGrp="1" noChangeAspect="1"/>
+            <a:picLocks noChangeAspect="1"/>
           </p:cNvPicPr>
-          <p:nvPr>
-            <p:ph idx="1"/>
-          </p:nvPr>
+          <p:nvPr/>
         </p:nvPicPr>
         <p:blipFill>
           <a:blip r:embed="rId2">
@@ -3619,6 +3707,34 @@
           </a:prstGeom>
         </p:spPr>
       </p:pic>
+      <p:sp>
+        <p:nvSpPr>
+          <p:cNvPr id="2" name="Title 1">
+            <a:extLst>
+              <a:ext uri="{FF2B5EF4-FFF2-40B4-BE49-F238E27FC236}">
+                <a16:creationId xmlns:a16="http://schemas.microsoft.com/office/drawing/2014/main" id="{9F15A480-7B7C-4C3A-8D14-18A5E0E52D69}"/>
+              </a:ext>
+            </a:extLst>
+          </p:cNvPr>
+          <p:cNvSpPr>
+            <a:spLocks noGrp="1"/>
+          </p:cNvSpPr>
+          <p:nvPr>
+            <p:ph type="title"/>
+          </p:nvPr>
+        </p:nvSpPr>
+        <p:spPr/>
+        <p:txBody>
+          <a:bodyPr/>
+          <a:lstStyle/>
+          <a:p>
+            <a:r>
+              <a:rPr lang="en-US" dirty="0"/>
+              <a:t>Result2 – Supervised Classification</a:t>
+            </a:r>
+          </a:p>
+        </p:txBody>
+      </p:sp>
       <p:pic>
         <p:nvPicPr>
           <p:cNvPr id="5" name="Content Placeholder 3">
@@ -3691,6 +3807,354 @@
           </a:prstGeom>
         </p:spPr>
       </p:pic>
+      <p:graphicFrame>
+        <p:nvGraphicFramePr>
+          <p:cNvPr id="12" name="Table 12">
+            <a:extLst>
+              <a:ext uri="{FF2B5EF4-FFF2-40B4-BE49-F238E27FC236}">
+                <a16:creationId xmlns:a16="http://schemas.microsoft.com/office/drawing/2014/main" id="{347FA4C8-B89B-4C2D-9D8E-16BCDF6B9086}"/>
+              </a:ext>
+            </a:extLst>
+          </p:cNvPr>
+          <p:cNvGraphicFramePr>
+            <a:graphicFrameLocks noGrp="1"/>
+          </p:cNvGraphicFramePr>
+          <p:nvPr>
+            <p:ph idx="1"/>
+            <p:extLst>
+              <p:ext uri="{D42A27DB-BD31-4B8C-83A1-F6EECF244321}">
+                <p14:modId xmlns:p14="http://schemas.microsoft.com/office/powerpoint/2010/main" val="704052842"/>
+              </p:ext>
+            </p:extLst>
+          </p:nvPr>
+        </p:nvGraphicFramePr>
+        <p:xfrm>
+          <a:off x="5917324" y="5155130"/>
+          <a:ext cx="6151176" cy="616080"/>
+        </p:xfrm>
+        <a:graphic>
+          <a:graphicData uri="http://schemas.openxmlformats.org/drawingml/2006/table">
+            <a:tbl>
+              <a:tblPr firstRow="1" bandRow="1">
+                <a:tableStyleId>{073A0DAA-6AF3-43AB-8588-CEC1D06C72B9}</a:tableStyleId>
+              </a:tblPr>
+              <a:tblGrid>
+                <a:gridCol w="683464">
+                  <a:extLst>
+                    <a:ext uri="{9D8B030D-6E8A-4147-A177-3AD203B41FA5}">
+                      <a16:colId xmlns:a16="http://schemas.microsoft.com/office/drawing/2014/main" val="3213090662"/>
+                    </a:ext>
+                  </a:extLst>
+                </a:gridCol>
+                <a:gridCol w="683464">
+                  <a:extLst>
+                    <a:ext uri="{9D8B030D-6E8A-4147-A177-3AD203B41FA5}">
+                      <a16:colId xmlns:a16="http://schemas.microsoft.com/office/drawing/2014/main" val="3105081371"/>
+                    </a:ext>
+                  </a:extLst>
+                </a:gridCol>
+                <a:gridCol w="683464">
+                  <a:extLst>
+                    <a:ext uri="{9D8B030D-6E8A-4147-A177-3AD203B41FA5}">
+                      <a16:colId xmlns:a16="http://schemas.microsoft.com/office/drawing/2014/main" val="3863737291"/>
+                    </a:ext>
+                  </a:extLst>
+                </a:gridCol>
+                <a:gridCol w="683464">
+                  <a:extLst>
+                    <a:ext uri="{9D8B030D-6E8A-4147-A177-3AD203B41FA5}">
+                      <a16:colId xmlns:a16="http://schemas.microsoft.com/office/drawing/2014/main" val="2787503483"/>
+                    </a:ext>
+                  </a:extLst>
+                </a:gridCol>
+                <a:gridCol w="683464">
+                  <a:extLst>
+                    <a:ext uri="{9D8B030D-6E8A-4147-A177-3AD203B41FA5}">
+                      <a16:colId xmlns:a16="http://schemas.microsoft.com/office/drawing/2014/main" val="1805663240"/>
+                    </a:ext>
+                  </a:extLst>
+                </a:gridCol>
+                <a:gridCol w="683464">
+                  <a:extLst>
+                    <a:ext uri="{9D8B030D-6E8A-4147-A177-3AD203B41FA5}">
+                      <a16:colId xmlns:a16="http://schemas.microsoft.com/office/drawing/2014/main" val="513807030"/>
+                    </a:ext>
+                  </a:extLst>
+                </a:gridCol>
+                <a:gridCol w="683464">
+                  <a:extLst>
+                    <a:ext uri="{9D8B030D-6E8A-4147-A177-3AD203B41FA5}">
+                      <a16:colId xmlns:a16="http://schemas.microsoft.com/office/drawing/2014/main" val="2784904056"/>
+                    </a:ext>
+                  </a:extLst>
+                </a:gridCol>
+                <a:gridCol w="683464">
+                  <a:extLst>
+                    <a:ext uri="{9D8B030D-6E8A-4147-A177-3AD203B41FA5}">
+                      <a16:colId xmlns:a16="http://schemas.microsoft.com/office/drawing/2014/main" val="384629996"/>
+                    </a:ext>
+                  </a:extLst>
+                </a:gridCol>
+                <a:gridCol w="683464">
+                  <a:extLst>
+                    <a:ext uri="{9D8B030D-6E8A-4147-A177-3AD203B41FA5}">
+                      <a16:colId xmlns:a16="http://schemas.microsoft.com/office/drawing/2014/main" val="558819222"/>
+                    </a:ext>
+                  </a:extLst>
+                </a:gridCol>
+              </a:tblGrid>
+              <a:tr h="308040">
+                <a:tc>
+                  <a:txBody>
+                    <a:bodyPr/>
+                    <a:lstStyle/>
+                    <a:p>
+                      <a:r>
+                        <a:rPr lang="en-US" sz="1400" dirty="0"/>
+                        <a:t>0</a:t>
+                      </a:r>
+                    </a:p>
+                  </a:txBody>
+                  <a:tcPr/>
+                </a:tc>
+                <a:tc>
+                  <a:txBody>
+                    <a:bodyPr/>
+                    <a:lstStyle/>
+                    <a:p>
+                      <a:r>
+                        <a:rPr lang="en-US" sz="1400" dirty="0"/>
+                        <a:t>1</a:t>
+                      </a:r>
+                    </a:p>
+                  </a:txBody>
+                  <a:tcPr/>
+                </a:tc>
+                <a:tc>
+                  <a:txBody>
+                    <a:bodyPr/>
+                    <a:lstStyle/>
+                    <a:p>
+                      <a:r>
+                        <a:rPr lang="en-US" sz="1400" dirty="0"/>
+                        <a:t>2</a:t>
+                      </a:r>
+                    </a:p>
+                  </a:txBody>
+                  <a:tcPr/>
+                </a:tc>
+                <a:tc>
+                  <a:txBody>
+                    <a:bodyPr/>
+                    <a:lstStyle/>
+                    <a:p>
+                      <a:r>
+                        <a:rPr lang="en-US" sz="1400" dirty="0"/>
+                        <a:t>3</a:t>
+                      </a:r>
+                    </a:p>
+                  </a:txBody>
+                  <a:tcPr/>
+                </a:tc>
+                <a:tc>
+                  <a:txBody>
+                    <a:bodyPr/>
+                    <a:lstStyle/>
+                    <a:p>
+                      <a:r>
+                        <a:rPr lang="en-US" sz="1400" dirty="0"/>
+                        <a:t>4</a:t>
+                      </a:r>
+                    </a:p>
+                  </a:txBody>
+                  <a:tcPr/>
+                </a:tc>
+                <a:tc>
+                  <a:txBody>
+                    <a:bodyPr/>
+                    <a:lstStyle/>
+                    <a:p>
+                      <a:r>
+                        <a:rPr lang="en-US" sz="1400" dirty="0"/>
+                        <a:t>5</a:t>
+                      </a:r>
+                    </a:p>
+                  </a:txBody>
+                  <a:tcPr/>
+                </a:tc>
+                <a:tc>
+                  <a:txBody>
+                    <a:bodyPr/>
+                    <a:lstStyle/>
+                    <a:p>
+                      <a:r>
+                        <a:rPr lang="en-US" sz="1400" dirty="0"/>
+                        <a:t>6</a:t>
+                      </a:r>
+                    </a:p>
+                  </a:txBody>
+                  <a:tcPr/>
+                </a:tc>
+                <a:tc>
+                  <a:txBody>
+                    <a:bodyPr/>
+                    <a:lstStyle/>
+                    <a:p>
+                      <a:r>
+                        <a:rPr lang="en-US" sz="1400" dirty="0"/>
+                        <a:t>7</a:t>
+                      </a:r>
+                    </a:p>
+                  </a:txBody>
+                  <a:tcPr/>
+                </a:tc>
+                <a:tc>
+                  <a:txBody>
+                    <a:bodyPr/>
+                    <a:lstStyle/>
+                    <a:p>
+                      <a:r>
+                        <a:rPr lang="en-US" sz="1400" dirty="0"/>
+                        <a:t>8</a:t>
+                      </a:r>
+                    </a:p>
+                  </a:txBody>
+                  <a:tcPr/>
+                </a:tc>
+                <a:extLst>
+                  <a:ext uri="{0D108BD9-81ED-4DB2-BD59-A6C34878D82A}">
+                    <a16:rowId xmlns:a16="http://schemas.microsoft.com/office/drawing/2014/main" val="3271795253"/>
+                  </a:ext>
+                </a:extLst>
+              </a:tr>
+              <a:tr h="308040">
+                <a:tc>
+                  <a:txBody>
+                    <a:bodyPr/>
+                    <a:lstStyle/>
+                    <a:p>
+                      <a:r>
+                        <a:rPr lang="en-US" sz="1400" dirty="0"/>
+                        <a:t>ACRU</a:t>
+                      </a:r>
+                    </a:p>
+                  </a:txBody>
+                  <a:tcPr/>
+                </a:tc>
+                <a:tc>
+                  <a:txBody>
+                    <a:bodyPr/>
+                    <a:lstStyle/>
+                    <a:p>
+                      <a:r>
+                        <a:rPr lang="en-US" sz="1400" dirty="0"/>
+                        <a:t>LIST</a:t>
+                      </a:r>
+                    </a:p>
+                  </a:txBody>
+                  <a:tcPr/>
+                </a:tc>
+                <a:tc>
+                  <a:txBody>
+                    <a:bodyPr/>
+                    <a:lstStyle/>
+                    <a:p>
+                      <a:r>
+                        <a:rPr lang="en-US" sz="1400" dirty="0"/>
+                        <a:t>OTHER</a:t>
+                      </a:r>
+                    </a:p>
+                  </a:txBody>
+                  <a:tcPr/>
+                </a:tc>
+                <a:tc>
+                  <a:txBody>
+                    <a:bodyPr/>
+                    <a:lstStyle/>
+                    <a:p>
+                      <a:r>
+                        <a:rPr lang="en-US" sz="1400" dirty="0"/>
+                        <a:t>PIEL</a:t>
+                      </a:r>
+                    </a:p>
+                  </a:txBody>
+                  <a:tcPr/>
+                </a:tc>
+                <a:tc>
+                  <a:txBody>
+                    <a:bodyPr/>
+                    <a:lstStyle/>
+                    <a:p>
+                      <a:r>
+                        <a:rPr lang="en-US" sz="1400" dirty="0"/>
+                        <a:t>PIPA</a:t>
+                      </a:r>
+                    </a:p>
+                  </a:txBody>
+                  <a:tcPr/>
+                </a:tc>
+                <a:tc>
+                  <a:txBody>
+                    <a:bodyPr/>
+                    <a:lstStyle/>
+                    <a:p>
+                      <a:r>
+                        <a:rPr lang="en-US" sz="1400" dirty="0"/>
+                        <a:t>PITA</a:t>
+                      </a:r>
+                    </a:p>
+                  </a:txBody>
+                  <a:tcPr/>
+                </a:tc>
+                <a:tc>
+                  <a:txBody>
+                    <a:bodyPr/>
+                    <a:lstStyle/>
+                    <a:p>
+                      <a:r>
+                        <a:rPr lang="en-US" sz="1400" dirty="0"/>
+                        <a:t>QUGE</a:t>
+                      </a:r>
+                    </a:p>
+                  </a:txBody>
+                  <a:tcPr/>
+                </a:tc>
+                <a:tc>
+                  <a:txBody>
+                    <a:bodyPr/>
+                    <a:lstStyle/>
+                    <a:p>
+                      <a:r>
+                        <a:rPr lang="en-US" sz="1400" dirty="0"/>
+                        <a:t>QULA</a:t>
+                      </a:r>
+                    </a:p>
+                  </a:txBody>
+                  <a:tcPr/>
+                </a:tc>
+                <a:tc>
+                  <a:txBody>
+                    <a:bodyPr/>
+                    <a:lstStyle/>
+                    <a:p>
+                      <a:r>
+                        <a:rPr lang="en-US" sz="1400" dirty="0"/>
+                        <a:t>QUNI</a:t>
+                      </a:r>
+                    </a:p>
+                  </a:txBody>
+                  <a:tcPr/>
+                </a:tc>
+                <a:extLst>
+                  <a:ext uri="{0D108BD9-81ED-4DB2-BD59-A6C34878D82A}">
+                    <a16:rowId xmlns:a16="http://schemas.microsoft.com/office/drawing/2014/main" val="2483877607"/>
+                  </a:ext>
+                </a:extLst>
+              </a:tr>
+            </a:tbl>
+          </a:graphicData>
+        </a:graphic>
+      </p:graphicFrame>
     </p:spTree>
     <p:extLst>
       <p:ext uri="{BB962C8B-B14F-4D97-AF65-F5344CB8AC3E}">
@@ -3731,7 +4195,7 @@
       </p:grpSpPr>
       <p:sp>
         <p:nvSpPr>
-          <p:cNvPr id="8" name="Rectangle 7">
+          <p:cNvPr id="15" name="Rectangle 14">
             <a:extLst>
               <a:ext uri="{FF2B5EF4-FFF2-40B4-BE49-F238E27FC236}">
                 <a16:creationId xmlns:a16="http://schemas.microsoft.com/office/drawing/2014/main" id="{23962611-DFD5-4092-AAFD-559E3DFCE2C9}"/>
@@ -3816,7 +4280,7 @@
       </p:sp>
       <p:pic>
         <p:nvPicPr>
-          <p:cNvPr id="10" name="Picture 9">
+          <p:cNvPr id="17" name="Picture 16">
             <a:extLst>
               <a:ext uri="{FF2B5EF4-FFF2-40B4-BE49-F238E27FC236}">
                 <a16:creationId xmlns:a16="http://schemas.microsoft.com/office/drawing/2014/main" id="{2270F1FA-0425-408F-9861-80BF5AFB276D}"/>
@@ -3889,7 +4353,7 @@
           <a:p>
             <a:pPr algn="ctr"/>
             <a:r>
-              <a:rPr lang="en-US" kern="1200">
+              <a:rPr lang="en-US" kern="1200" dirty="0">
                 <a:solidFill>
                   <a:srgbClr val="FFFFFF"/>
                 </a:solidFill>
@@ -3931,14 +4395,31 @@
           <a:lstStyle/>
           <a:p>
             <a:pPr algn="ctr"/>
-            <a:endParaRPr lang="en-US" sz="2400" kern="1200">
-              <a:solidFill>
-                <a:srgbClr val="FFFFFF"/>
-              </a:solidFill>
-              <a:latin typeface="+mn-lt"/>
-              <a:ea typeface="+mn-ea"/>
-              <a:cs typeface="+mn-cs"/>
-            </a:endParaRPr>
+            <a:r>
+              <a:rPr lang="en-US" sz="1500" kern="1200">
+                <a:solidFill>
+                  <a:srgbClr val="FFFFFF"/>
+                </a:solidFill>
+                <a:latin typeface="+mn-lt"/>
+                <a:ea typeface="+mn-ea"/>
+                <a:cs typeface="+mn-cs"/>
+              </a:rPr>
+              <a:t>https://github.com/zhiqiyu/Plant-Identification-</a:t>
+            </a:r>
+          </a:p>
+          <a:p>
+            <a:pPr algn="ctr"/>
+            <a:r>
+              <a:rPr lang="en-US" sz="1500" kern="1200">
+                <a:solidFill>
+                  <a:srgbClr val="FFFFFF"/>
+                </a:solidFill>
+                <a:latin typeface="+mn-lt"/>
+                <a:ea typeface="+mn-ea"/>
+                <a:cs typeface="+mn-cs"/>
+              </a:rPr>
+              <a:t>with-NEON-Remote-Sensing-Data</a:t>
+            </a:r>
           </a:p>
         </p:txBody>
       </p:sp>
@@ -4060,6 +4541,44 @@
               <a:rPr lang="en-US" dirty="0"/>
               <a:t>Using airborne high-resolution hyperspectral images and ground level data to classify the species of trees, which can help understand the factors governing the individual-level behavior of eco-systems that can only be achieved by field-level measurement</a:t>
             </a:r>
+          </a:p>
+        </p:txBody>
+      </p:sp>
+      <p:sp>
+        <p:nvSpPr>
+          <p:cNvPr id="4" name="TextBox 3">
+            <a:extLst>
+              <a:ext uri="{FF2B5EF4-FFF2-40B4-BE49-F238E27FC236}">
+                <a16:creationId xmlns:a16="http://schemas.microsoft.com/office/drawing/2014/main" id="{34DD78F6-8196-44A6-B2A5-260268EA80C0}"/>
+              </a:ext>
+            </a:extLst>
+          </p:cNvPr>
+          <p:cNvSpPr txBox="1"/>
+          <p:nvPr/>
+        </p:nvSpPr>
+        <p:spPr>
+          <a:xfrm>
+            <a:off x="838200" y="6411310"/>
+            <a:ext cx="3258206" cy="369332"/>
+          </a:xfrm>
+          <a:prstGeom prst="rect">
+            <a:avLst/>
+          </a:prstGeom>
+          <a:noFill/>
+        </p:spPr>
+        <p:txBody>
+          <a:bodyPr wrap="square" rtlCol="0">
+            <a:spAutoFit/>
+          </a:bodyPr>
+          <a:lstStyle/>
+          <a:p>
+            <a:r>
+              <a:rPr lang="en-US" dirty="0">
+                <a:hlinkClick r:id="rId2"/>
+              </a:rPr>
+              <a:t>https://nist-neon-dse.github.io/</a:t>
+            </a:r>
+            <a:endParaRPr lang="en-US" dirty="0"/>
           </a:p>
         </p:txBody>
       </p:sp>
@@ -5089,7 +5608,7 @@
           <a:p>
             <a:r>
               <a:rPr lang="en-US" dirty="0"/>
-              <a:t>Classify image with SAM</a:t>
+              <a:t>Classify images with SAM</a:t>
             </a:r>
           </a:p>
           <a:p>
@@ -5097,12 +5616,105 @@
           </a:p>
         </p:txBody>
       </p:sp>
+    </p:spTree>
+    <p:extLst>
+      <p:ext uri="{BB962C8B-B14F-4D97-AF65-F5344CB8AC3E}">
+        <p14:creationId xmlns:p14="http://schemas.microsoft.com/office/powerpoint/2010/main" val="227225372"/>
+      </p:ext>
+    </p:extLst>
+  </p:cSld>
+  <p:clrMapOvr>
+    <a:masterClrMapping/>
+  </p:clrMapOvr>
+</p:sld>
+</file>
+
+<file path=ppt/slides/slide8.xml><?xml version="1.0" encoding="utf-8"?>
+<p:sld xmlns:a="http://schemas.openxmlformats.org/drawingml/2006/main" xmlns:r="http://schemas.openxmlformats.org/officeDocument/2006/relationships" xmlns:p="http://schemas.openxmlformats.org/presentationml/2006/main">
+  <p:cSld>
+    <p:spTree>
+      <p:nvGrpSpPr>
+        <p:cNvPr id="1" name=""/>
+        <p:cNvGrpSpPr/>
+        <p:nvPr/>
+      </p:nvGrpSpPr>
+      <p:grpSpPr>
+        <a:xfrm>
+          <a:off x="0" y="0"/>
+          <a:ext cx="0" cy="0"/>
+          <a:chOff x="0" y="0"/>
+          <a:chExt cx="0" cy="0"/>
+        </a:xfrm>
+      </p:grpSpPr>
+      <p:sp>
+        <p:nvSpPr>
+          <p:cNvPr id="2" name="Title 1">
+            <a:extLst>
+              <a:ext uri="{FF2B5EF4-FFF2-40B4-BE49-F238E27FC236}">
+                <a16:creationId xmlns:a16="http://schemas.microsoft.com/office/drawing/2014/main" id="{DC18C12F-D805-4F4C-962D-159243E56564}"/>
+              </a:ext>
+            </a:extLst>
+          </p:cNvPr>
+          <p:cNvSpPr>
+            <a:spLocks noGrp="1"/>
+          </p:cNvSpPr>
+          <p:nvPr>
+            <p:ph type="title"/>
+          </p:nvPr>
+        </p:nvSpPr>
+        <p:spPr/>
+        <p:txBody>
+          <a:bodyPr/>
+          <a:lstStyle/>
+          <a:p>
+            <a:r>
+              <a:rPr lang="en-US" dirty="0"/>
+              <a:t>Method1 - SAM</a:t>
+            </a:r>
+          </a:p>
+        </p:txBody>
+      </p:sp>
+      <p:pic>
+        <p:nvPicPr>
+          <p:cNvPr id="13" name="Content Placeholder 12" descr="A close up of a logo&#10;&#10;Description automatically generated">
+            <a:extLst>
+              <a:ext uri="{FF2B5EF4-FFF2-40B4-BE49-F238E27FC236}">
+                <a16:creationId xmlns:a16="http://schemas.microsoft.com/office/drawing/2014/main" id="{A8CDF98D-80AD-431D-B139-A1EBF2B3E05E}"/>
+              </a:ext>
+            </a:extLst>
+          </p:cNvPr>
+          <p:cNvPicPr>
+            <a:picLocks noGrp="1" noChangeAspect="1"/>
+          </p:cNvPicPr>
+          <p:nvPr>
+            <p:ph idx="1"/>
+          </p:nvPr>
+        </p:nvPicPr>
+        <p:blipFill>
+          <a:blip r:embed="rId2">
+            <a:extLst>
+              <a:ext uri="{28A0092B-C50C-407E-A947-70E740481C1C}">
+                <a14:useLocalDpi xmlns:a14="http://schemas.microsoft.com/office/drawing/2010/main" val="0"/>
+              </a:ext>
+            </a:extLst>
+          </a:blip>
+          <a:stretch>
+            <a:fillRect/>
+          </a:stretch>
+        </p:blipFill>
+        <p:spPr>
+          <a:xfrm>
+            <a:off x="670036" y="1814294"/>
+            <a:ext cx="8387984" cy="4264984"/>
+          </a:xfrm>
+        </p:spPr>
+      </p:pic>
       <p:graphicFrame>
         <p:nvGraphicFramePr>
           <p:cNvPr id="4" name="Table 4">
             <a:extLst>
               <a:ext uri="{FF2B5EF4-FFF2-40B4-BE49-F238E27FC236}">
-                <a16:creationId xmlns:a16="http://schemas.microsoft.com/office/drawing/2014/main" id="{09BAD8DB-9E9E-4BE8-8C0D-D8D750B0512B}"/>
+                <a16:creationId xmlns:a16="http://schemas.microsoft.com/office/drawing/2014/main" id="{ECE1660D-D019-43A8-B93A-5997453EFA81}"/>
               </a:ext>
             </a:extLst>
           </p:cNvPr>
@@ -5112,20 +5724,20 @@
           <p:nvPr>
             <p:extLst>
               <p:ext uri="{D42A27DB-BD31-4B8C-83A1-F6EECF244321}">
-                <p14:modId xmlns:p14="http://schemas.microsoft.com/office/powerpoint/2010/main" val="2094686442"/>
+                <p14:modId xmlns:p14="http://schemas.microsoft.com/office/powerpoint/2010/main" val="3338117958"/>
               </p:ext>
             </p:extLst>
           </p:nvPr>
         </p:nvGraphicFramePr>
         <p:xfrm>
-          <a:off x="7285925" y="2525124"/>
-          <a:ext cx="2901627" cy="3731030"/>
+          <a:off x="9058020" y="1814294"/>
+          <a:ext cx="2901627" cy="4264984"/>
         </p:xfrm>
         <a:graphic>
           <a:graphicData uri="http://schemas.openxmlformats.org/drawingml/2006/table">
             <a:tbl>
               <a:tblPr firstRow="1" bandRow="1">
-                <a:tableStyleId>{5C22544A-7EE6-4342-B048-85BDC9FD1C3A}</a:tableStyleId>
+                <a:tableStyleId>{073A0DAA-6AF3-43AB-8588-CEC1D06C72B9}</a:tableStyleId>
               </a:tblPr>
               <a:tblGrid>
                 <a:gridCol w="1356963">
@@ -5149,7 +5761,14 @@
                     <a:bodyPr/>
                     <a:lstStyle/>
                     <a:p>
-                      <a:endParaRPr lang="en-US"/>
+                      <a:r>
+                        <a:rPr lang="en-US" dirty="0">
+                          <a:solidFill>
+                            <a:schemeClr val="bg1"/>
+                          </a:solidFill>
+                        </a:rPr>
+                        <a:t>Label</a:t>
+                      </a:r>
                     </a:p>
                   </a:txBody>
                   <a:tcPr/>
@@ -5159,7 +5778,14 @@
                     <a:bodyPr/>
                     <a:lstStyle/>
                     <a:p>
-                      <a:endParaRPr lang="en-US" dirty="0"/>
+                      <a:r>
+                        <a:rPr lang="en-US" dirty="0">
+                          <a:solidFill>
+                            <a:schemeClr val="bg1"/>
+                          </a:solidFill>
+                        </a:rPr>
+                        <a:t>Name</a:t>
+                      </a:r>
                     </a:p>
                   </a:txBody>
                   <a:tcPr/>
@@ -5189,7 +5815,10 @@
                     <a:bodyPr/>
                     <a:lstStyle/>
                     <a:p>
-                      <a:endParaRPr lang="en-US" dirty="0"/>
+                      <a:r>
+                        <a:rPr lang="en-US" dirty="0"/>
+                        <a:t>Acer rubrum</a:t>
+                      </a:r>
                     </a:p>
                   </a:txBody>
                   <a:tcPr/>
@@ -5219,7 +5848,15 @@
                     <a:bodyPr/>
                     <a:lstStyle/>
                     <a:p>
-                      <a:endParaRPr lang="en-US"/>
+                      <a:r>
+                        <a:rPr lang="en-US" dirty="0"/>
+                        <a:t>Liquidambar </a:t>
+                      </a:r>
+                      <a:r>
+                        <a:rPr lang="en-US" dirty="0" err="1"/>
+                        <a:t>styraciflua</a:t>
+                      </a:r>
+                      <a:endParaRPr lang="en-US" dirty="0"/>
                     </a:p>
                   </a:txBody>
                   <a:tcPr/>
@@ -5249,7 +5886,10 @@
                     <a:bodyPr/>
                     <a:lstStyle/>
                     <a:p>
-                      <a:endParaRPr lang="en-US"/>
+                      <a:r>
+                        <a:rPr lang="en-US" dirty="0"/>
+                        <a:t>Other species</a:t>
+                      </a:r>
                     </a:p>
                   </a:txBody>
                   <a:tcPr/>
@@ -5279,7 +5919,15 @@
                     <a:bodyPr/>
                     <a:lstStyle/>
                     <a:p>
-                      <a:endParaRPr lang="en-US"/>
+                      <a:r>
+                        <a:rPr lang="en-US" dirty="0"/>
+                        <a:t>Pinus </a:t>
+                      </a:r>
+                      <a:r>
+                        <a:rPr lang="en-US" dirty="0" err="1"/>
+                        <a:t>elliottii</a:t>
+                      </a:r>
+                      <a:endParaRPr lang="en-US" dirty="0"/>
                     </a:p>
                   </a:txBody>
                   <a:tcPr/>
@@ -5309,7 +5957,15 @@
                     <a:bodyPr/>
                     <a:lstStyle/>
                     <a:p>
-                      <a:endParaRPr lang="en-US"/>
+                      <a:r>
+                        <a:rPr lang="en-US" dirty="0"/>
+                        <a:t>Pinus </a:t>
+                      </a:r>
+                      <a:r>
+                        <a:rPr lang="en-US" dirty="0" err="1"/>
+                        <a:t>palustris</a:t>
+                      </a:r>
+                      <a:endParaRPr lang="en-US" dirty="0"/>
                     </a:p>
                   </a:txBody>
                   <a:tcPr/>
@@ -5339,7 +5995,15 @@
                     <a:bodyPr/>
                     <a:lstStyle/>
                     <a:p>
-                      <a:endParaRPr lang="en-US"/>
+                      <a:r>
+                        <a:rPr lang="en-US" dirty="0"/>
+                        <a:t>Pinus </a:t>
+                      </a:r>
+                      <a:r>
+                        <a:rPr lang="en-US" dirty="0" err="1"/>
+                        <a:t>taeda</a:t>
+                      </a:r>
+                      <a:endParaRPr lang="en-US" dirty="0"/>
                     </a:p>
                   </a:txBody>
                   <a:tcPr/>
@@ -5369,6 +6033,14 @@
                     <a:bodyPr/>
                     <a:lstStyle/>
                     <a:p>
+                      <a:r>
+                        <a:rPr lang="en-US" dirty="0"/>
+                        <a:t>Quercus </a:t>
+                      </a:r>
+                      <a:r>
+                        <a:rPr lang="en-US" dirty="0" err="1"/>
+                        <a:t>geminata</a:t>
+                      </a:r>
                       <a:endParaRPr lang="en-US" dirty="0"/>
                     </a:p>
                   </a:txBody>
@@ -5399,6 +6071,14 @@
                     <a:bodyPr/>
                     <a:lstStyle/>
                     <a:p>
+                      <a:r>
+                        <a:rPr lang="en-US" dirty="0"/>
+                        <a:t>Quercus </a:t>
+                      </a:r>
+                      <a:r>
+                        <a:rPr lang="en-US" dirty="0" err="1"/>
+                        <a:t>laevis</a:t>
+                      </a:r>
                       <a:endParaRPr lang="en-US" dirty="0"/>
                     </a:p>
                   </a:txBody>
@@ -5429,6 +6109,14 @@
                     <a:bodyPr/>
                     <a:lstStyle/>
                     <a:p>
+                      <a:r>
+                        <a:rPr lang="en-US" dirty="0"/>
+                        <a:t>Quercus </a:t>
+                      </a:r>
+                      <a:r>
+                        <a:rPr lang="en-US" dirty="0" err="1"/>
+                        <a:t>nigra</a:t>
+                      </a:r>
                       <a:endParaRPr lang="en-US" dirty="0"/>
                     </a:p>
                   </a:txBody>
@@ -5444,99 +6132,6 @@
           </a:graphicData>
         </a:graphic>
       </p:graphicFrame>
-    </p:spTree>
-    <p:extLst>
-      <p:ext uri="{BB962C8B-B14F-4D97-AF65-F5344CB8AC3E}">
-        <p14:creationId xmlns:p14="http://schemas.microsoft.com/office/powerpoint/2010/main" val="227225372"/>
-      </p:ext>
-    </p:extLst>
-  </p:cSld>
-  <p:clrMapOvr>
-    <a:masterClrMapping/>
-  </p:clrMapOvr>
-</p:sld>
-</file>
-
-<file path=ppt/slides/slide8.xml><?xml version="1.0" encoding="utf-8"?>
-<p:sld xmlns:a="http://schemas.openxmlformats.org/drawingml/2006/main" xmlns:r="http://schemas.openxmlformats.org/officeDocument/2006/relationships" xmlns:p="http://schemas.openxmlformats.org/presentationml/2006/main">
-  <p:cSld>
-    <p:spTree>
-      <p:nvGrpSpPr>
-        <p:cNvPr id="1" name=""/>
-        <p:cNvGrpSpPr/>
-        <p:nvPr/>
-      </p:nvGrpSpPr>
-      <p:grpSpPr>
-        <a:xfrm>
-          <a:off x="0" y="0"/>
-          <a:ext cx="0" cy="0"/>
-          <a:chOff x="0" y="0"/>
-          <a:chExt cx="0" cy="0"/>
-        </a:xfrm>
-      </p:grpSpPr>
-      <p:sp>
-        <p:nvSpPr>
-          <p:cNvPr id="2" name="Title 1">
-            <a:extLst>
-              <a:ext uri="{FF2B5EF4-FFF2-40B4-BE49-F238E27FC236}">
-                <a16:creationId xmlns:a16="http://schemas.microsoft.com/office/drawing/2014/main" id="{DC18C12F-D805-4F4C-962D-159243E56564}"/>
-              </a:ext>
-            </a:extLst>
-          </p:cNvPr>
-          <p:cNvSpPr>
-            <a:spLocks noGrp="1"/>
-          </p:cNvSpPr>
-          <p:nvPr>
-            <p:ph type="title"/>
-          </p:nvPr>
-        </p:nvSpPr>
-        <p:spPr/>
-        <p:txBody>
-          <a:bodyPr/>
-          <a:lstStyle/>
-          <a:p>
-            <a:r>
-              <a:rPr lang="en-US" dirty="0"/>
-              <a:t>Method1 - SAM</a:t>
-            </a:r>
-          </a:p>
-        </p:txBody>
-      </p:sp>
-      <p:pic>
-        <p:nvPicPr>
-          <p:cNvPr id="13" name="Content Placeholder 12" descr="A close up of a logo&#10;&#10;Description automatically generated">
-            <a:extLst>
-              <a:ext uri="{FF2B5EF4-FFF2-40B4-BE49-F238E27FC236}">
-                <a16:creationId xmlns:a16="http://schemas.microsoft.com/office/drawing/2014/main" id="{A8CDF98D-80AD-431D-B139-A1EBF2B3E05E}"/>
-              </a:ext>
-            </a:extLst>
-          </p:cNvPr>
-          <p:cNvPicPr>
-            <a:picLocks noGrp="1" noChangeAspect="1"/>
-          </p:cNvPicPr>
-          <p:nvPr>
-            <p:ph idx="1"/>
-          </p:nvPr>
-        </p:nvPicPr>
-        <p:blipFill>
-          <a:blip r:embed="rId2">
-            <a:extLst>
-              <a:ext uri="{28A0092B-C50C-407E-A947-70E740481C1C}">
-                <a14:useLocalDpi xmlns:a14="http://schemas.microsoft.com/office/drawing/2010/main" val="0"/>
-              </a:ext>
-            </a:extLst>
-          </a:blip>
-          <a:stretch>
-            <a:fillRect/>
-          </a:stretch>
-        </p:blipFill>
-        <p:spPr>
-          <a:xfrm>
-            <a:off x="1288254" y="1690688"/>
-            <a:ext cx="9615492" cy="4889127"/>
-          </a:xfrm>
-        </p:spPr>
-      </p:pic>
     </p:spTree>
     <p:extLst>
       <p:ext uri="{BB962C8B-B14F-4D97-AF65-F5344CB8AC3E}">
